--- a/After C&C 2015 Spring/images/articles/leto/leto.pptx
+++ b/After C&C 2015 Spring/images/articles/leto/leto.pptx
@@ -196,7 +196,7 @@
             <a:fld id="{FA75A6CE-42F9-4E01-AD14-17456ACECB09}" type="datetimeFigureOut">
               <a:rPr lang="en-US" smtClean="0"/>
               <a:pPr/>
-              <a:t>4/8/2015</a:t>
+              <a:t>4/15/2015</a:t>
             </a:fld>
             <a:endParaRPr lang="en-US"/>
           </a:p>
@@ -3160,6 +3160,85 @@
           </a:p>
         </p:txBody>
       </p:sp>
+      <p:sp>
+        <p:nvSpPr>
+          <p:cNvPr id="20" name="Oval Callout 19"/>
+          <p:cNvSpPr/>
+          <p:nvPr/>
+        </p:nvSpPr>
+        <p:spPr>
+          <a:xfrm flipH="1">
+            <a:off x="6624148" y="2191303"/>
+            <a:ext cx="1559244" cy="1080217"/>
+          </a:xfrm>
+          <a:prstGeom prst="wedgeEllipseCallout">
+            <a:avLst/>
+          </a:prstGeom>
+          <a:solidFill>
+            <a:schemeClr val="bg1"/>
+          </a:solidFill>
+          <a:ln w="9525">
+            <a:noFill/>
+          </a:ln>
+          <a:effectLst/>
+        </p:spPr>
+        <p:style>
+          <a:lnRef idx="2">
+            <a:schemeClr val="accent1">
+              <a:shade val="50000"/>
+            </a:schemeClr>
+          </a:lnRef>
+          <a:fillRef idx="1">
+            <a:schemeClr val="accent1"/>
+          </a:fillRef>
+          <a:effectRef idx="0">
+            <a:schemeClr val="accent1"/>
+          </a:effectRef>
+          <a:fontRef idx="minor">
+            <a:schemeClr val="lt1"/>
+          </a:fontRef>
+        </p:style>
+        <p:txBody>
+          <a:bodyPr tIns="90000" bIns="90000" rtlCol="0" anchor="ctr" anchorCtr="0"/>
+          <a:lstStyle/>
+          <a:p>
+            <a:pPr algn="ctr"/>
+            <a:endParaRPr lang="en-US" sz="1400" dirty="0" smtClean="0">
+              <a:solidFill>
+                <a:srgbClr val="000000"/>
+              </a:solidFill>
+              <a:latin typeface="Arial" pitchFamily="34" charset="0"/>
+              <a:cs typeface="Arial" pitchFamily="34" charset="0"/>
+            </a:endParaRPr>
+          </a:p>
+        </p:txBody>
+      </p:sp>
+      <p:pic>
+        <p:nvPicPr>
+          <p:cNvPr id="9220" name="Picture 4" descr="http://upload.wikimedia.org/wikipedia/en/thumb/a/ae/Flag_of_the_United_Kingdom.svg/300px-Flag_of_the_United_Kingdom.svg.png"/>
+          <p:cNvPicPr>
+            <a:picLocks noChangeAspect="1" noChangeArrowheads="1"/>
+          </p:cNvPicPr>
+          <p:nvPr/>
+        </p:nvPicPr>
+        <p:blipFill>
+          <a:blip r:embed="rId4" cstate="print"/>
+          <a:srcRect/>
+          <a:stretch>
+            <a:fillRect/>
+          </a:stretch>
+        </p:blipFill>
+        <p:spPr bwMode="auto">
+          <a:xfrm>
+            <a:off x="6969927" y="2459657"/>
+            <a:ext cx="867687" cy="543508"/>
+          </a:xfrm>
+          <a:prstGeom prst="rect">
+            <a:avLst/>
+          </a:prstGeom>
+          <a:noFill/>
+        </p:spPr>
+      </p:pic>
     </p:spTree>
   </p:cSld>
   <p:clrMapOvr>
@@ -3785,21 +3864,6 @@
 </file>
 
 <file path=customXml/item1.xml><?xml version="1.0" encoding="utf-8"?>
-<p:properties xmlns:p="http://schemas.microsoft.com/office/2006/metadata/properties" xmlns:xsi="http://www.w3.org/2001/XMLSchema-instance">
-  <documentManagement/>
-</p:properties>
-</file>
-
-<file path=customXml/item2.xml><?xml version="1.0" encoding="utf-8"?>
-<?mso-contentType ?>
-<FormTemplates xmlns="http://schemas.microsoft.com/sharepoint/v3/contenttype/forms">
-  <Display>DocumentLibraryForm</Display>
-  <Edit>DocumentLibraryForm</Edit>
-  <New>DocumentLibraryForm</New>
-</FormTemplates>
-</file>
-
-<file path=customXml/item3.xml><?xml version="1.0" encoding="utf-8"?>
 <?mso-contentType ?>
 <rca:RCAuthoringProperties xmlns:rca="urn:sharePointPublishingRcaProperties">
   <rca:Converter rca:guid="6dfdc5b4-2a28-4a06-b0c6-ad3901e3a807">
@@ -3815,6 +3879,21 @@
     <rca:property rca:type="ConverterSpecificSettings"/>
   </rca:Converter>
 </rca:RCAuthoringProperties>
+</file>
+
+<file path=customXml/item2.xml><?xml version="1.0" encoding="utf-8"?>
+<?mso-contentType ?>
+<FormTemplates xmlns="http://schemas.microsoft.com/sharepoint/v3/contenttype/forms">
+  <Display>DocumentLibraryForm</Display>
+  <Edit>DocumentLibraryForm</Edit>
+  <New>DocumentLibraryForm</New>
+</FormTemplates>
+</file>
+
+<file path=customXml/item3.xml><?xml version="1.0" encoding="utf-8"?>
+<p:properties xmlns:p="http://schemas.microsoft.com/office/2006/metadata/properties" xmlns:xsi="http://www.w3.org/2001/XMLSchema-instance">
+  <documentManagement/>
+</p:properties>
 </file>
 
 <file path=customXml/item4.xml><?xml version="1.0" encoding="utf-8"?>
@@ -3867,9 +3946,9 @@
 </file>
 
 <file path=customXml/itemProps1.xml><?xml version="1.0" encoding="utf-8"?>
-<ds:datastoreItem xmlns:ds="http://schemas.openxmlformats.org/officeDocument/2006/customXml" ds:itemID="{D2D2F14E-91D0-46BE-AF0B-03FA64177EC7}">
+<ds:datastoreItem xmlns:ds="http://schemas.openxmlformats.org/officeDocument/2006/customXml" ds:itemID="{CB87F45E-89F2-4F93-BA38-4E759A2983DE}">
   <ds:schemaRefs>
-    <ds:schemaRef ds:uri="http://schemas.microsoft.com/office/2006/metadata/properties"/>
+    <ds:schemaRef ds:uri="urn:sharePointPublishingRcaProperties"/>
   </ds:schemaRefs>
 </ds:datastoreItem>
 </file>
@@ -3883,9 +3962,9 @@
 </file>
 
 <file path=customXml/itemProps3.xml><?xml version="1.0" encoding="utf-8"?>
-<ds:datastoreItem xmlns:ds="http://schemas.openxmlformats.org/officeDocument/2006/customXml" ds:itemID="{CB87F45E-89F2-4F93-BA38-4E759A2983DE}">
+<ds:datastoreItem xmlns:ds="http://schemas.openxmlformats.org/officeDocument/2006/customXml" ds:itemID="{D2D2F14E-91D0-46BE-AF0B-03FA64177EC7}">
   <ds:schemaRefs>
-    <ds:schemaRef ds:uri="urn:sharePointPublishingRcaProperties"/>
+    <ds:schemaRef ds:uri="http://schemas.microsoft.com/office/2006/metadata/properties"/>
   </ds:schemaRefs>
 </ds:datastoreItem>
 </file>
